--- a/Lab4/Theory.pptx
+++ b/Lab4/Theory.pptx
@@ -2017,7 +2017,15 @@
             </a:pPr>
             <a:r>
               <a:rPr lang="en-US" dirty="0"/>
-              <a:t>The chord line is the line through the center of the airfoil, so the chord is always equidistant from the top and the bottom.</a:t>
+              <a:t>The chord line is the </a:t>
+            </a:r>
+            <a:r>
+              <a:rPr lang="en-US" altLang="zh-CN" dirty="0"/>
+              <a:t>straight </a:t>
+            </a:r>
+            <a:r>
+              <a:rPr lang="en-US" dirty="0"/>
+              <a:t>line connecting the leading edge and the trailing edge.</a:t>
             </a:r>
           </a:p>
           <a:p>
@@ -6886,8 +6894,8 @@
           </a:p>
         </p:txBody>
       </p:sp>
-      <mc:AlternateContent xmlns:mc="http://schemas.openxmlformats.org/markup-compatibility/2006">
-        <mc:Choice xmlns:a14="http://schemas.microsoft.com/office/drawing/2010/main" Requires="a14">
+      <mc:AlternateContent xmlns:mc="http://schemas.openxmlformats.org/markup-compatibility/2006" xmlns:a14="http://schemas.microsoft.com/office/drawing/2010/main">
+        <mc:Choice Requires="a14">
           <p:sp>
             <p:nvSpPr>
               <p:cNvPr id="18" name="Rectangle 17">
@@ -7051,7 +7059,7 @@
             </p:txBody>
           </p:sp>
         </mc:Choice>
-        <mc:Fallback>
+        <mc:Fallback xmlns="">
           <p:sp>
             <p:nvSpPr>
               <p:cNvPr id="18" name="Rectangle 17">
@@ -7221,8 +7229,8 @@
           </a:p>
         </p:txBody>
       </p:sp>
-      <mc:AlternateContent xmlns:mc="http://schemas.openxmlformats.org/markup-compatibility/2006">
-        <mc:Choice xmlns:a14="http://schemas.microsoft.com/office/drawing/2010/main" Requires="a14">
+      <mc:AlternateContent xmlns:mc="http://schemas.openxmlformats.org/markup-compatibility/2006" xmlns:a14="http://schemas.microsoft.com/office/drawing/2010/main">
+        <mc:Choice Requires="a14">
           <p:sp>
             <p:nvSpPr>
               <p:cNvPr id="23" name="Rectangle 22">
@@ -7386,7 +7394,7 @@
             </p:txBody>
           </p:sp>
         </mc:Choice>
-        <mc:Fallback>
+        <mc:Fallback xmlns="">
           <p:sp>
             <p:nvSpPr>
               <p:cNvPr id="23" name="Rectangle 22">
@@ -7471,8 +7479,8 @@
           </a:p>
         </p:txBody>
       </p:sp>
-      <mc:AlternateContent xmlns:mc="http://schemas.openxmlformats.org/markup-compatibility/2006">
-        <mc:Choice xmlns:a14="http://schemas.microsoft.com/office/drawing/2010/main" Requires="a14">
+      <mc:AlternateContent xmlns:mc="http://schemas.openxmlformats.org/markup-compatibility/2006" xmlns:a14="http://schemas.microsoft.com/office/drawing/2010/main">
+        <mc:Choice Requires="a14">
           <p:sp>
             <p:nvSpPr>
               <p:cNvPr id="27" name="Rectangle 26">
@@ -7669,7 +7677,7 @@
             </p:txBody>
           </p:sp>
         </mc:Choice>
-        <mc:Fallback>
+        <mc:Fallback xmlns="">
           <p:sp>
             <p:nvSpPr>
               <p:cNvPr id="27" name="Rectangle 26">
@@ -12163,8 +12171,8 @@
           </a:fontRef>
         </p:style>
       </p:cxnSp>
-      <mc:AlternateContent xmlns:mc="http://schemas.openxmlformats.org/markup-compatibility/2006">
-        <mc:Choice xmlns:a14="http://schemas.microsoft.com/office/drawing/2010/main" Requires="a14">
+      <mc:AlternateContent xmlns:mc="http://schemas.openxmlformats.org/markup-compatibility/2006" xmlns:a14="http://schemas.microsoft.com/office/drawing/2010/main">
+        <mc:Choice Requires="a14">
           <p:sp>
             <p:nvSpPr>
               <p:cNvPr id="6" name="TextBox 5">
@@ -12241,7 +12249,7 @@
             </p:txBody>
           </p:sp>
         </mc:Choice>
-        <mc:Fallback>
+        <mc:Fallback xmlns="">
           <p:sp>
             <p:nvSpPr>
               <p:cNvPr id="6" name="TextBox 5">
@@ -13247,8 +13255,8 @@
           </a:prstGeom>
         </p:spPr>
       </p:pic>
-      <mc:AlternateContent xmlns:mc="http://schemas.openxmlformats.org/markup-compatibility/2006">
-        <mc:Choice xmlns:a14="http://schemas.microsoft.com/office/drawing/2010/main" Requires="a14">
+      <mc:AlternateContent xmlns:mc="http://schemas.openxmlformats.org/markup-compatibility/2006" xmlns:a14="http://schemas.microsoft.com/office/drawing/2010/main">
+        <mc:Choice Requires="a14">
           <p:sp>
             <p:nvSpPr>
               <p:cNvPr id="21" name="Rectangle 20">
@@ -13425,7 +13433,7 @@
             </p:txBody>
           </p:sp>
         </mc:Choice>
-        <mc:Fallback>
+        <mc:Fallback xmlns="">
           <p:sp>
             <p:nvSpPr>
               <p:cNvPr id="21" name="Rectangle 20">
@@ -15348,8 +15356,8 @@
           </a:prstGeom>
         </p:spPr>
       </p:pic>
-      <mc:AlternateContent xmlns:mc="http://schemas.openxmlformats.org/markup-compatibility/2006">
-        <mc:Choice xmlns:a14="http://schemas.microsoft.com/office/drawing/2010/main" Requires="a14">
+      <mc:AlternateContent xmlns:mc="http://schemas.openxmlformats.org/markup-compatibility/2006" xmlns:a14="http://schemas.microsoft.com/office/drawing/2010/main">
+        <mc:Choice Requires="a14">
           <p:sp>
             <p:nvSpPr>
               <p:cNvPr id="19" name="Rectangle 18">
@@ -15377,7 +15385,6 @@
               </a:bodyPr>
               <a:lstStyle/>
               <a:p>
-                <a:pPr/>
                 <a14:m>
                   <m:oMath xmlns:m="http://schemas.openxmlformats.org/officeDocument/2006/math">
                     <m:sSub>
@@ -15524,7 +15531,7 @@
             </p:txBody>
           </p:sp>
         </mc:Choice>
-        <mc:Fallback>
+        <mc:Fallback xmlns="">
           <p:sp>
             <p:nvSpPr>
               <p:cNvPr id="19" name="Rectangle 18">
@@ -15658,8 +15665,8 @@
           </a:p>
         </p:txBody>
       </p:sp>
-      <mc:AlternateContent xmlns:mc="http://schemas.openxmlformats.org/markup-compatibility/2006">
-        <mc:Choice xmlns:a14="http://schemas.microsoft.com/office/drawing/2010/main" Requires="a14">
+      <mc:AlternateContent xmlns:mc="http://schemas.openxmlformats.org/markup-compatibility/2006" xmlns:a14="http://schemas.microsoft.com/office/drawing/2010/main">
+        <mc:Choice Requires="a14">
           <p:sp>
             <p:nvSpPr>
               <p:cNvPr id="2" name="Rectangle 1">
@@ -15738,7 +15745,7 @@
             </p:txBody>
           </p:sp>
         </mc:Choice>
-        <mc:Fallback>
+        <mc:Fallback xmlns="">
           <p:sp>
             <p:nvSpPr>
               <p:cNvPr id="2" name="Rectangle 1">
@@ -16432,8 +16439,8 @@
           </a:p>
         </p:txBody>
       </p:sp>
-      <mc:AlternateContent xmlns:mc="http://schemas.openxmlformats.org/markup-compatibility/2006">
-        <mc:Choice xmlns:a14="http://schemas.microsoft.com/office/drawing/2010/main" Requires="a14">
+      <mc:AlternateContent xmlns:mc="http://schemas.openxmlformats.org/markup-compatibility/2006" xmlns:a14="http://schemas.microsoft.com/office/drawing/2010/main">
+        <mc:Choice Requires="a14">
           <p:sp>
             <p:nvSpPr>
               <p:cNvPr id="18" name="Rectangle 17">
@@ -16597,7 +16604,7 @@
             </p:txBody>
           </p:sp>
         </mc:Choice>
-        <mc:Fallback>
+        <mc:Fallback xmlns="">
           <p:sp>
             <p:nvSpPr>
               <p:cNvPr id="18" name="Rectangle 17">
@@ -16767,8 +16774,8 @@
           </a:p>
         </p:txBody>
       </p:sp>
-      <mc:AlternateContent xmlns:mc="http://schemas.openxmlformats.org/markup-compatibility/2006">
-        <mc:Choice xmlns:a14="http://schemas.microsoft.com/office/drawing/2010/main" Requires="a14">
+      <mc:AlternateContent xmlns:mc="http://schemas.openxmlformats.org/markup-compatibility/2006" xmlns:a14="http://schemas.microsoft.com/office/drawing/2010/main">
+        <mc:Choice Requires="a14">
           <p:sp>
             <p:nvSpPr>
               <p:cNvPr id="23" name="Rectangle 22">
@@ -16932,7 +16939,7 @@
             </p:txBody>
           </p:sp>
         </mc:Choice>
-        <mc:Fallback>
+        <mc:Fallback xmlns="">
           <p:sp>
             <p:nvSpPr>
               <p:cNvPr id="23" name="Rectangle 22">
@@ -17017,8 +17024,8 @@
           </a:p>
         </p:txBody>
       </p:sp>
-      <mc:AlternateContent xmlns:mc="http://schemas.openxmlformats.org/markup-compatibility/2006">
-        <mc:Choice xmlns:a14="http://schemas.microsoft.com/office/drawing/2010/main" Requires="a14">
+      <mc:AlternateContent xmlns:mc="http://schemas.openxmlformats.org/markup-compatibility/2006" xmlns:a14="http://schemas.microsoft.com/office/drawing/2010/main">
+        <mc:Choice Requires="a14">
           <p:sp>
             <p:nvSpPr>
               <p:cNvPr id="27" name="Rectangle 26">
@@ -17182,7 +17189,7 @@
             </p:txBody>
           </p:sp>
         </mc:Choice>
-        <mc:Fallback>
+        <mc:Fallback xmlns="">
           <p:sp>
             <p:nvSpPr>
               <p:cNvPr id="27" name="Rectangle 26">
@@ -17792,8 +17799,8 @@
           </a:p>
         </p:txBody>
       </p:sp>
-      <mc:AlternateContent xmlns:mc="http://schemas.openxmlformats.org/markup-compatibility/2006">
-        <mc:Choice xmlns:a14="http://schemas.microsoft.com/office/drawing/2010/main" Requires="a14">
+      <mc:AlternateContent xmlns:mc="http://schemas.openxmlformats.org/markup-compatibility/2006" xmlns:a14="http://schemas.microsoft.com/office/drawing/2010/main">
+        <mc:Choice Requires="a14">
           <p:sp>
             <p:nvSpPr>
               <p:cNvPr id="5" name="Rectangle 4">
@@ -17929,7 +17936,7 @@
             </p:txBody>
           </p:sp>
         </mc:Choice>
-        <mc:Fallback>
+        <mc:Fallback xmlns="">
           <p:sp>
             <p:nvSpPr>
               <p:cNvPr id="5" name="Rectangle 4">
